--- a/Week09/Interfaces.pptx
+++ b/Week09/Interfaces.pptx
@@ -205,7 +205,7 @@
           <a:p>
             <a:fld id="{60C6A8C3-8392-4BC1-B99F-0D6991348B0F}" type="datetimeFigureOut">
               <a:rPr lang="en-US" smtClean="0"/>
-              <a:t>11/14/2018</a:t>
+              <a:t>4/9/2019</a:t>
             </a:fld>
             <a:endParaRPr lang="en-US"/>
           </a:p>
@@ -1481,7 +1481,7 @@
           <a:p>
             <a:fld id="{61FD5E12-641C-4696-BA65-B86205845F69}" type="datetimeFigureOut">
               <a:rPr lang="en-US" smtClean="0"/>
-              <a:t>11/14/2018</a:t>
+              <a:t>4/9/2019</a:t>
             </a:fld>
             <a:endParaRPr lang="en-US"/>
           </a:p>
@@ -1651,7 +1651,7 @@
           <a:p>
             <a:fld id="{61FD5E12-641C-4696-BA65-B86205845F69}" type="datetimeFigureOut">
               <a:rPr lang="en-US" smtClean="0"/>
-              <a:t>11/14/2018</a:t>
+              <a:t>4/9/2019</a:t>
             </a:fld>
             <a:endParaRPr lang="en-US"/>
           </a:p>
@@ -1831,7 +1831,7 @@
           <a:p>
             <a:fld id="{61FD5E12-641C-4696-BA65-B86205845F69}" type="datetimeFigureOut">
               <a:rPr lang="en-US" smtClean="0"/>
-              <a:t>11/14/2018</a:t>
+              <a:t>4/9/2019</a:t>
             </a:fld>
             <a:endParaRPr lang="en-US"/>
           </a:p>
@@ -2502,7 +2502,7 @@
           <a:p>
             <a:fld id="{61FD5E12-641C-4696-BA65-B86205845F69}" type="datetimeFigureOut">
               <a:rPr lang="en-US" smtClean="0"/>
-              <a:t>11/14/2018</a:t>
+              <a:t>4/9/2019</a:t>
             </a:fld>
             <a:endParaRPr lang="en-US"/>
           </a:p>
@@ -2748,7 +2748,7 @@
           <a:p>
             <a:fld id="{61FD5E12-641C-4696-BA65-B86205845F69}" type="datetimeFigureOut">
               <a:rPr lang="en-US" smtClean="0"/>
-              <a:t>11/14/2018</a:t>
+              <a:t>4/9/2019</a:t>
             </a:fld>
             <a:endParaRPr lang="en-US"/>
           </a:p>
@@ -2980,7 +2980,7 @@
           <a:p>
             <a:fld id="{61FD5E12-641C-4696-BA65-B86205845F69}" type="datetimeFigureOut">
               <a:rPr lang="en-US" smtClean="0"/>
-              <a:t>11/14/2018</a:t>
+              <a:t>4/9/2019</a:t>
             </a:fld>
             <a:endParaRPr lang="en-US"/>
           </a:p>
@@ -3347,7 +3347,7 @@
           <a:p>
             <a:fld id="{61FD5E12-641C-4696-BA65-B86205845F69}" type="datetimeFigureOut">
               <a:rPr lang="en-US" smtClean="0"/>
-              <a:t>11/14/2018</a:t>
+              <a:t>4/9/2019</a:t>
             </a:fld>
             <a:endParaRPr lang="en-US"/>
           </a:p>
@@ -3465,7 +3465,7 @@
           <a:p>
             <a:fld id="{61FD5E12-641C-4696-BA65-B86205845F69}" type="datetimeFigureOut">
               <a:rPr lang="en-US" smtClean="0"/>
-              <a:t>11/14/2018</a:t>
+              <a:t>4/9/2019</a:t>
             </a:fld>
             <a:endParaRPr lang="en-US"/>
           </a:p>
@@ -3560,7 +3560,7 @@
           <a:p>
             <a:fld id="{61FD5E12-641C-4696-BA65-B86205845F69}" type="datetimeFigureOut">
               <a:rPr lang="en-US" smtClean="0"/>
-              <a:t>11/14/2018</a:t>
+              <a:t>4/9/2019</a:t>
             </a:fld>
             <a:endParaRPr lang="en-US"/>
           </a:p>
@@ -3837,7 +3837,7 @@
           <a:p>
             <a:fld id="{61FD5E12-641C-4696-BA65-B86205845F69}" type="datetimeFigureOut">
               <a:rPr lang="en-US" smtClean="0"/>
-              <a:t>11/14/2018</a:t>
+              <a:t>4/9/2019</a:t>
             </a:fld>
             <a:endParaRPr lang="en-US"/>
           </a:p>
@@ -4094,7 +4094,7 @@
           <a:p>
             <a:fld id="{61FD5E12-641C-4696-BA65-B86205845F69}" type="datetimeFigureOut">
               <a:rPr lang="en-US" smtClean="0"/>
-              <a:t>11/14/2018</a:t>
+              <a:t>4/9/2019</a:t>
             </a:fld>
             <a:endParaRPr lang="en-US"/>
           </a:p>
@@ -4307,7 +4307,7 @@
           <a:p>
             <a:fld id="{61FD5E12-641C-4696-BA65-B86205845F69}" type="datetimeFigureOut">
               <a:rPr lang="en-US" smtClean="0"/>
-              <a:t>11/14/2018</a:t>
+              <a:t>4/9/2019</a:t>
             </a:fld>
             <a:endParaRPr lang="en-US"/>
           </a:p>
@@ -4830,15 +4830,301 @@
           <a:p>
             <a:r>
               <a:rPr lang="en-US" sz="4400" dirty="0" smtClean="0"/>
-              <a:t>Example – Coffee Maker</a:t>
+              <a:t>Example – </a:t>
+            </a:r>
+            <a:r>
+              <a:rPr lang="en-US" sz="4400" dirty="0" smtClean="0"/>
+              <a:t>Outlet</a:t>
             </a:r>
             <a:endParaRPr lang="en-US" sz="4400" dirty="0"/>
+          </a:p>
+        </p:txBody>
+      </p:sp>
+      <p:sp>
+        <p:nvSpPr>
+          <p:cNvPr id="3" name="TextBox 2"/>
+          <p:cNvSpPr txBox="1"/>
+          <p:nvPr/>
+        </p:nvSpPr>
+        <p:spPr>
+          <a:xfrm>
+            <a:off x="5230292" y="1718268"/>
+            <a:ext cx="4612193" cy="1477328"/>
+          </a:xfrm>
+          <a:prstGeom prst="rect">
+            <a:avLst/>
+          </a:prstGeom>
+          <a:noFill/>
+        </p:spPr>
+        <p:txBody>
+          <a:bodyPr wrap="square" rtlCol="0">
+            <a:spAutoFit/>
+          </a:bodyPr>
+          <a:lstStyle/>
+          <a:p>
+            <a:r>
+              <a:rPr lang="en-US" dirty="0" smtClean="0">
+                <a:solidFill>
+                  <a:schemeClr val="tx2"/>
+                </a:solidFill>
+              </a:rPr>
+              <a:t>As the </a:t>
+            </a:r>
+            <a:r>
+              <a:rPr lang="en-US" dirty="0" smtClean="0">
+                <a:solidFill>
+                  <a:schemeClr val="tx2"/>
+                </a:solidFill>
+              </a:rPr>
+              <a:t>user of this outlet, </a:t>
+            </a:r>
+            <a:r>
+              <a:rPr lang="en-US" dirty="0" smtClean="0">
+                <a:solidFill>
+                  <a:schemeClr val="tx2"/>
+                </a:solidFill>
+              </a:rPr>
+              <a:t>you don’t care </a:t>
+            </a:r>
+            <a:r>
+              <a:rPr lang="en-US" i="1" dirty="0" smtClean="0">
+                <a:solidFill>
+                  <a:schemeClr val="tx2"/>
+                </a:solidFill>
+              </a:rPr>
+              <a:t>how</a:t>
+            </a:r>
+            <a:r>
+              <a:rPr lang="en-US" dirty="0" smtClean="0">
+                <a:solidFill>
+                  <a:schemeClr val="tx2"/>
+                </a:solidFill>
+              </a:rPr>
+              <a:t> it </a:t>
+            </a:r>
+            <a:r>
+              <a:rPr lang="en-US" dirty="0" smtClean="0">
+                <a:solidFill>
+                  <a:schemeClr val="tx2"/>
+                </a:solidFill>
+              </a:rPr>
+              <a:t>provides power. </a:t>
+            </a:r>
+            <a:r>
+              <a:rPr lang="en-US" dirty="0" smtClean="0">
+                <a:solidFill>
+                  <a:schemeClr val="tx2"/>
+                </a:solidFill>
+              </a:rPr>
+              <a:t>It’s inner workings do not matter to you. All you care about is </a:t>
+            </a:r>
+            <a:r>
+              <a:rPr lang="en-US" dirty="0" smtClean="0">
+                <a:solidFill>
+                  <a:schemeClr val="tx2"/>
+                </a:solidFill>
+              </a:rPr>
+              <a:t>plugging something into it, and receiving the expected electrical output.</a:t>
+            </a:r>
+            <a:endParaRPr lang="en-US" dirty="0">
+              <a:solidFill>
+                <a:schemeClr val="tx2"/>
+              </a:solidFill>
+            </a:endParaRPr>
+          </a:p>
+        </p:txBody>
+      </p:sp>
+      <p:sp>
+        <p:nvSpPr>
+          <p:cNvPr id="8" name="TextBox 7"/>
+          <p:cNvSpPr txBox="1"/>
+          <p:nvPr/>
+        </p:nvSpPr>
+        <p:spPr>
+          <a:xfrm>
+            <a:off x="5230291" y="3344204"/>
+            <a:ext cx="4612193" cy="1200329"/>
+          </a:xfrm>
+          <a:prstGeom prst="rect">
+            <a:avLst/>
+          </a:prstGeom>
+          <a:noFill/>
+        </p:spPr>
+        <p:txBody>
+          <a:bodyPr wrap="square" rtlCol="0">
+            <a:spAutoFit/>
+          </a:bodyPr>
+          <a:lstStyle/>
+          <a:p>
+            <a:r>
+              <a:rPr lang="en-US" dirty="0" smtClean="0">
+                <a:solidFill>
+                  <a:schemeClr val="tx2"/>
+                </a:solidFill>
+              </a:rPr>
+              <a:t>Say </a:t>
+            </a:r>
+            <a:r>
+              <a:rPr lang="en-US" dirty="0" smtClean="0">
+                <a:solidFill>
+                  <a:schemeClr val="tx2"/>
+                </a:solidFill>
+              </a:rPr>
+              <a:t>you upgraded to use solar power to be more energy </a:t>
+            </a:r>
+            <a:r>
+              <a:rPr lang="en-US" dirty="0" smtClean="0">
+                <a:solidFill>
+                  <a:schemeClr val="tx2"/>
+                </a:solidFill>
+              </a:rPr>
+              <a:t>efficient</a:t>
+            </a:r>
+            <a:r>
+              <a:rPr lang="en-US" dirty="0" smtClean="0">
+                <a:solidFill>
+                  <a:schemeClr val="tx2"/>
+                </a:solidFill>
+              </a:rPr>
+              <a:t>. </a:t>
+            </a:r>
+            <a:r>
+              <a:rPr lang="en-US" dirty="0" smtClean="0">
+                <a:solidFill>
+                  <a:schemeClr val="tx2"/>
+                </a:solidFill>
+              </a:rPr>
+              <a:t>YOU, as the user, should not have to change anything about YOUR </a:t>
+            </a:r>
+            <a:r>
+              <a:rPr lang="en-US" dirty="0" smtClean="0">
+                <a:solidFill>
+                  <a:schemeClr val="tx2"/>
+                </a:solidFill>
+              </a:rPr>
+              <a:t>power usage </a:t>
+            </a:r>
+            <a:r>
+              <a:rPr lang="en-US" dirty="0" smtClean="0">
+                <a:solidFill>
+                  <a:schemeClr val="tx2"/>
+                </a:solidFill>
+              </a:rPr>
+              <a:t>process.</a:t>
+            </a:r>
+            <a:endParaRPr lang="en-US" dirty="0">
+              <a:solidFill>
+                <a:schemeClr val="tx2"/>
+              </a:solidFill>
+            </a:endParaRPr>
+          </a:p>
+        </p:txBody>
+      </p:sp>
+      <p:sp>
+        <p:nvSpPr>
+          <p:cNvPr id="9" name="TextBox 8"/>
+          <p:cNvSpPr txBox="1"/>
+          <p:nvPr/>
+        </p:nvSpPr>
+        <p:spPr>
+          <a:xfrm>
+            <a:off x="5230291" y="4763341"/>
+            <a:ext cx="4612193" cy="1200329"/>
+          </a:xfrm>
+          <a:prstGeom prst="rect">
+            <a:avLst/>
+          </a:prstGeom>
+          <a:noFill/>
+        </p:spPr>
+        <p:txBody>
+          <a:bodyPr wrap="square" rtlCol="0">
+            <a:spAutoFit/>
+          </a:bodyPr>
+          <a:lstStyle/>
+          <a:p>
+            <a:r>
+              <a:rPr lang="en-US" dirty="0" smtClean="0">
+                <a:solidFill>
+                  <a:schemeClr val="tx2"/>
+                </a:solidFill>
+              </a:rPr>
+              <a:t>An </a:t>
+            </a:r>
+            <a:r>
+              <a:rPr lang="en-US" b="1" dirty="0" smtClean="0">
+                <a:solidFill>
+                  <a:schemeClr val="tx2"/>
+                </a:solidFill>
+              </a:rPr>
+              <a:t>interface</a:t>
+            </a:r>
+            <a:r>
+              <a:rPr lang="en-US" dirty="0" smtClean="0">
+                <a:solidFill>
+                  <a:schemeClr val="tx2"/>
+                </a:solidFill>
+              </a:rPr>
+              <a:t> is like the </a:t>
+            </a:r>
+            <a:r>
+              <a:rPr lang="en-US" dirty="0" smtClean="0">
+                <a:solidFill>
+                  <a:schemeClr val="tx2"/>
+                </a:solidFill>
+              </a:rPr>
+              <a:t>outlet itself in </a:t>
+            </a:r>
+            <a:r>
+              <a:rPr lang="en-US" dirty="0" smtClean="0">
+                <a:solidFill>
+                  <a:schemeClr val="tx2"/>
+                </a:solidFill>
+              </a:rPr>
+              <a:t>this example. It lets a user utilize some functionality without knowing </a:t>
+            </a:r>
+            <a:r>
+              <a:rPr lang="en-US" i="1" dirty="0" smtClean="0">
+                <a:solidFill>
+                  <a:schemeClr val="tx2"/>
+                </a:solidFill>
+              </a:rPr>
+              <a:t>how</a:t>
+            </a:r>
+            <a:r>
+              <a:rPr lang="en-US" dirty="0" smtClean="0">
+                <a:solidFill>
+                  <a:schemeClr val="tx2"/>
+                </a:solidFill>
+              </a:rPr>
+              <a:t> it works; all they need to know is </a:t>
+            </a:r>
+            <a:r>
+              <a:rPr lang="en-US" i="1" dirty="0" smtClean="0">
+                <a:solidFill>
+                  <a:schemeClr val="tx2"/>
+                </a:solidFill>
+              </a:rPr>
+              <a:t>what</a:t>
+            </a:r>
+            <a:r>
+              <a:rPr lang="en-US" dirty="0" smtClean="0">
+                <a:solidFill>
+                  <a:schemeClr val="tx2"/>
+                </a:solidFill>
+              </a:rPr>
+              <a:t> it does!</a:t>
+            </a:r>
+            <a:endParaRPr lang="en-US" dirty="0">
+              <a:solidFill>
+                <a:schemeClr val="tx2"/>
+              </a:solidFill>
+            </a:endParaRPr>
           </a:p>
         </p:txBody>
       </p:sp>
       <p:pic>
         <p:nvPicPr>
-          <p:cNvPr id="1026" name="Picture 2" descr="Image result for keurig"/>
+          <p:cNvPr id="4" name="Picture 2" descr="Image result for outlet"/>
           <p:cNvPicPr>
             <a:picLocks noChangeAspect="1" noChangeArrowheads="1"/>
           </p:cNvPicPr>
@@ -4859,8 +5145,8 @@
         </p:blipFill>
         <p:spPr bwMode="auto">
           <a:xfrm>
-            <a:off x="405034" y="1579659"/>
-            <a:ext cx="4048125" cy="5067301"/>
+            <a:off x="1180507" y="1925069"/>
+            <a:ext cx="2695575" cy="4038601"/>
           </a:xfrm>
           <a:prstGeom prst="rect">
             <a:avLst/>
@@ -4877,184 +5163,6 @@
           </a:extLst>
         </p:spPr>
       </p:pic>
-      <p:sp>
-        <p:nvSpPr>
-          <p:cNvPr id="3" name="TextBox 2"/>
-          <p:cNvSpPr txBox="1"/>
-          <p:nvPr/>
-        </p:nvSpPr>
-        <p:spPr>
-          <a:xfrm>
-            <a:off x="5230292" y="1718268"/>
-            <a:ext cx="4612193" cy="1200329"/>
-          </a:xfrm>
-          <a:prstGeom prst="rect">
-            <a:avLst/>
-          </a:prstGeom>
-          <a:noFill/>
-        </p:spPr>
-        <p:txBody>
-          <a:bodyPr wrap="square" rtlCol="0">
-            <a:spAutoFit/>
-          </a:bodyPr>
-          <a:lstStyle/>
-          <a:p>
-            <a:r>
-              <a:rPr lang="en-US" dirty="0" smtClean="0">
-                <a:solidFill>
-                  <a:schemeClr val="tx2"/>
-                </a:solidFill>
-              </a:rPr>
-              <a:t>As the user of a coffee maker, you don’t care </a:t>
-            </a:r>
-            <a:r>
-              <a:rPr lang="en-US" i="1" dirty="0" smtClean="0">
-                <a:solidFill>
-                  <a:schemeClr val="tx2"/>
-                </a:solidFill>
-              </a:rPr>
-              <a:t>how</a:t>
-            </a:r>
-            <a:r>
-              <a:rPr lang="en-US" dirty="0" smtClean="0">
-                <a:solidFill>
-                  <a:schemeClr val="tx2"/>
-                </a:solidFill>
-              </a:rPr>
-              <a:t> it makes coffee. It’s inner workings do not matter to you. All you care about is putting in a K-Cup, and receiving a cup of coffee.</a:t>
-            </a:r>
-            <a:endParaRPr lang="en-US" dirty="0">
-              <a:solidFill>
-                <a:schemeClr val="tx2"/>
-              </a:solidFill>
-            </a:endParaRPr>
-          </a:p>
-        </p:txBody>
-      </p:sp>
-      <p:sp>
-        <p:nvSpPr>
-          <p:cNvPr id="8" name="TextBox 7"/>
-          <p:cNvSpPr txBox="1"/>
-          <p:nvPr/>
-        </p:nvSpPr>
-        <p:spPr>
-          <a:xfrm>
-            <a:off x="5230291" y="3171500"/>
-            <a:ext cx="4612193" cy="1200329"/>
-          </a:xfrm>
-          <a:prstGeom prst="rect">
-            <a:avLst/>
-          </a:prstGeom>
-          <a:noFill/>
-        </p:spPr>
-        <p:txBody>
-          <a:bodyPr wrap="square" rtlCol="0">
-            <a:spAutoFit/>
-          </a:bodyPr>
-          <a:lstStyle/>
-          <a:p>
-            <a:r>
-              <a:rPr lang="en-US" dirty="0" smtClean="0">
-                <a:solidFill>
-                  <a:schemeClr val="tx2"/>
-                </a:solidFill>
-              </a:rPr>
-              <a:t>Say Keurig upgraded those inner workings to speed up the brewing process. YOU, as the user, should not have to change anything about YOUR coffee-making process.</a:t>
-            </a:r>
-            <a:endParaRPr lang="en-US" dirty="0">
-              <a:solidFill>
-                <a:schemeClr val="tx2"/>
-              </a:solidFill>
-            </a:endParaRPr>
-          </a:p>
-        </p:txBody>
-      </p:sp>
-      <p:sp>
-        <p:nvSpPr>
-          <p:cNvPr id="9" name="TextBox 8"/>
-          <p:cNvSpPr txBox="1"/>
-          <p:nvPr/>
-        </p:nvSpPr>
-        <p:spPr>
-          <a:xfrm>
-            <a:off x="5230291" y="4763341"/>
-            <a:ext cx="4612193" cy="1200329"/>
-          </a:xfrm>
-          <a:prstGeom prst="rect">
-            <a:avLst/>
-          </a:prstGeom>
-          <a:noFill/>
-        </p:spPr>
-        <p:txBody>
-          <a:bodyPr wrap="square" rtlCol="0">
-            <a:spAutoFit/>
-          </a:bodyPr>
-          <a:lstStyle/>
-          <a:p>
-            <a:r>
-              <a:rPr lang="en-US" dirty="0" smtClean="0">
-                <a:solidFill>
-                  <a:schemeClr val="tx2"/>
-                </a:solidFill>
-              </a:rPr>
-              <a:t>An </a:t>
-            </a:r>
-            <a:r>
-              <a:rPr lang="en-US" b="1" dirty="0" smtClean="0">
-                <a:solidFill>
-                  <a:schemeClr val="tx2"/>
-                </a:solidFill>
-              </a:rPr>
-              <a:t>interface</a:t>
-            </a:r>
-            <a:r>
-              <a:rPr lang="en-US" dirty="0" smtClean="0">
-                <a:solidFill>
-                  <a:schemeClr val="tx2"/>
-                </a:solidFill>
-              </a:rPr>
-              <a:t> is like the outer layer of the coffee maker in this example. It lets a user utilize some functionality without knowing </a:t>
-            </a:r>
-            <a:r>
-              <a:rPr lang="en-US" i="1" dirty="0" smtClean="0">
-                <a:solidFill>
-                  <a:schemeClr val="tx2"/>
-                </a:solidFill>
-              </a:rPr>
-              <a:t>how</a:t>
-            </a:r>
-            <a:r>
-              <a:rPr lang="en-US" dirty="0" smtClean="0">
-                <a:solidFill>
-                  <a:schemeClr val="tx2"/>
-                </a:solidFill>
-              </a:rPr>
-              <a:t> it works; all they need to know is </a:t>
-            </a:r>
-            <a:r>
-              <a:rPr lang="en-US" i="1" dirty="0" smtClean="0">
-                <a:solidFill>
-                  <a:schemeClr val="tx2"/>
-                </a:solidFill>
-              </a:rPr>
-              <a:t>what</a:t>
-            </a:r>
-            <a:r>
-              <a:rPr lang="en-US" dirty="0" smtClean="0">
-                <a:solidFill>
-                  <a:schemeClr val="tx2"/>
-                </a:solidFill>
-              </a:rPr>
-              <a:t> it does!</a:t>
-            </a:r>
-            <a:endParaRPr lang="en-US" dirty="0">
-              <a:solidFill>
-                <a:schemeClr val="tx2"/>
-              </a:solidFill>
-            </a:endParaRPr>
-          </a:p>
-        </p:txBody>
-      </p:sp>
     </p:spTree>
     <p:extLst>
       <p:ext uri="{BB962C8B-B14F-4D97-AF65-F5344CB8AC3E}">
